--- a/Reconnect();/Reconnect; Keynote.pptx
+++ b/Reconnect();/Reconnect; Keynote.pptx
@@ -1625,7 +1625,7 @@
                 </a:solidFill>
               </a:rPr>
               <a:pPr/>
-              <a:t>12/7/2015 1:35 PM</a:t>
+              <a:t>12/7/2015 2:27 PM</a:t>
             </a:fld>
             <a:endParaRPr lang="en-US" dirty="0">
               <a:solidFill>
@@ -11819,13 +11819,13 @@
   <p:clrMapOvr>
     <a:masterClrMapping/>
   </p:clrMapOvr>
-  <mc:AlternateContent xmlns:mc="http://schemas.openxmlformats.org/markup-compatibility/2006">
-    <mc:Choice xmlns:p14="http://schemas.microsoft.com/office/powerpoint/2010/main" Requires="p14">
+  <mc:AlternateContent xmlns:mc="http://schemas.openxmlformats.org/markup-compatibility/2006" xmlns:p14="http://schemas.microsoft.com/office/powerpoint/2010/main">
+    <mc:Choice Requires="p14">
       <p:transition spd="slow" p14:dur="3400">
         <p14:reveal/>
       </p:transition>
     </mc:Choice>
-    <mc:Fallback>
+    <mc:Fallback xmlns="">
       <p:transition spd="slow">
         <p:fade/>
       </p:transition>
@@ -11906,11 +11906,7 @@
             <a:pPr lvl="1"/>
             <a:r>
               <a:rPr lang="en-US" dirty="0" smtClean="0"/>
-              <a:t>C</a:t>
-            </a:r>
-            <a:r>
-              <a:rPr lang="en-US" dirty="0" smtClean="0"/>
-              <a:t>lass library </a:t>
+              <a:t>Class library </a:t>
             </a:r>
             <a:r>
               <a:rPr lang="en-US" dirty="0" err="1" smtClean="0"/>
@@ -11944,15 +11940,7 @@
             </a:r>
             <a:r>
               <a:rPr lang="en-US" dirty="0" smtClean="0"/>
-              <a:t> </a:t>
-            </a:r>
-            <a:r>
-              <a:rPr lang="en-US" dirty="0" smtClean="0"/>
-              <a:t>C</a:t>
-            </a:r>
-            <a:r>
-              <a:rPr lang="en-US" dirty="0" smtClean="0"/>
-              <a:t>++ </a:t>
+              <a:t> C++ </a:t>
             </a:r>
           </a:p>
         </p:txBody>
@@ -12010,15 +11998,7 @@
                   <a:srgbClr val="00BCF2"/>
                 </a:solidFill>
               </a:rPr>
-              <a:t> .</a:t>
-            </a:r>
-            <a:r>
-              <a:rPr lang="en-US" dirty="0" smtClean="0">
-                <a:solidFill>
-                  <a:srgbClr val="00BCF2"/>
-                </a:solidFill>
-              </a:rPr>
-              <a:t>NET Native?</a:t>
+              <a:t> .NET Native?</a:t>
             </a:r>
             <a:endParaRPr lang="en-US" dirty="0">
               <a:solidFill>
@@ -12038,13 +12018,13 @@
   <p:clrMapOvr>
     <a:masterClrMapping/>
   </p:clrMapOvr>
-  <mc:AlternateContent xmlns:mc="http://schemas.openxmlformats.org/markup-compatibility/2006">
-    <mc:Choice xmlns:p14="http://schemas.microsoft.com/office/powerpoint/2010/main" Requires="p14">
+  <mc:AlternateContent xmlns:mc="http://schemas.openxmlformats.org/markup-compatibility/2006" xmlns:p14="http://schemas.microsoft.com/office/powerpoint/2010/main">
+    <mc:Choice Requires="p14">
       <p:transition spd="med" p14:dur="700">
         <p:fade/>
       </p:transition>
     </mc:Choice>
-    <mc:Fallback>
+    <mc:Fallback xmlns="">
       <p:transition spd="med">
         <p:fade/>
       </p:transition>
@@ -12166,13 +12146,13 @@
   <p:clrMapOvr>
     <a:masterClrMapping/>
   </p:clrMapOvr>
-  <mc:AlternateContent xmlns:mc="http://schemas.openxmlformats.org/markup-compatibility/2006">
-    <mc:Choice xmlns:p14="http://schemas.microsoft.com/office/powerpoint/2010/main" Requires="p14">
+  <mc:AlternateContent xmlns:mc="http://schemas.openxmlformats.org/markup-compatibility/2006" xmlns:p14="http://schemas.microsoft.com/office/powerpoint/2010/main">
+    <mc:Choice Requires="p14">
       <p:transition spd="med" p14:dur="700">
         <p:fade/>
       </p:transition>
     </mc:Choice>
-    <mc:Fallback>
+    <mc:Fallback xmlns="">
       <p:transition spd="med">
         <p:fade/>
       </p:transition>
@@ -12294,13 +12274,13 @@
   <p:clrMapOvr>
     <a:masterClrMapping/>
   </p:clrMapOvr>
-  <mc:AlternateContent xmlns:mc="http://schemas.openxmlformats.org/markup-compatibility/2006">
-    <mc:Choice xmlns:p14="http://schemas.microsoft.com/office/powerpoint/2010/main" Requires="p14">
+  <mc:AlternateContent xmlns:mc="http://schemas.openxmlformats.org/markup-compatibility/2006" xmlns:p14="http://schemas.microsoft.com/office/powerpoint/2010/main">
+    <mc:Choice Requires="p14">
       <p:transition spd="med" p14:dur="700">
         <p:fade/>
       </p:transition>
     </mc:Choice>
-    <mc:Fallback>
+    <mc:Fallback xmlns="">
       <p:transition spd="med">
         <p:fade/>
       </p:transition>
@@ -12378,15 +12358,7 @@
                   <a:srgbClr val="00BCF2"/>
                 </a:solidFill>
               </a:rPr>
-              <a:t> </a:t>
-            </a:r>
-            <a:r>
-              <a:rPr lang="en-US" dirty="0" smtClean="0">
-                <a:solidFill>
-                  <a:srgbClr val="00BCF2"/>
-                </a:solidFill>
-              </a:rPr>
-              <a:t>App</a:t>
+              <a:t> App</a:t>
             </a:r>
             <a:endParaRPr lang="en-US" dirty="0">
               <a:solidFill>
@@ -12430,13 +12402,13 @@
   <p:clrMapOvr>
     <a:masterClrMapping/>
   </p:clrMapOvr>
-  <mc:AlternateContent xmlns:mc="http://schemas.openxmlformats.org/markup-compatibility/2006">
-    <mc:Choice xmlns:p14="http://schemas.microsoft.com/office/powerpoint/2010/main" Requires="p14">
+  <mc:AlternateContent xmlns:mc="http://schemas.openxmlformats.org/markup-compatibility/2006" xmlns:p14="http://schemas.microsoft.com/office/powerpoint/2010/main">
+    <mc:Choice Requires="p14">
       <p:transition spd="med" p14:dur="700">
         <p:fade/>
       </p:transition>
     </mc:Choice>
-    <mc:Fallback>
+    <mc:Fallback xmlns="">
       <p:transition spd="med">
         <p:fade/>
       </p:transition>
@@ -12528,14 +12500,14 @@
                 <a:gridCol w="2319383">
                   <a:extLst>
                     <a:ext uri="{9D8B030D-6E8A-4147-A177-3AD203B41FA5}">
-                      <a16:colId xmlns="" xmlns:a16="http://schemas.microsoft.com/office/drawing/2014/main" val="3808608185"/>
+                      <a16:colId xmlns:a16="http://schemas.microsoft.com/office/drawing/2014/main" xmlns="" val="3808608185"/>
                     </a:ext>
                   </a:extLst>
                 </a:gridCol>
                 <a:gridCol w="2226603">
                   <a:extLst>
                     <a:ext uri="{9D8B030D-6E8A-4147-A177-3AD203B41FA5}">
-                      <a16:colId xmlns="" xmlns:a16="http://schemas.microsoft.com/office/drawing/2014/main" val="2337250646"/>
+                      <a16:colId xmlns:a16="http://schemas.microsoft.com/office/drawing/2014/main" xmlns="" val="2337250646"/>
                     </a:ext>
                   </a:extLst>
                 </a:gridCol>
@@ -12687,26 +12659,7 @@
                           <a:ea typeface="Segoe UI" pitchFamily="34" charset="0"/>
                           <a:cs typeface="Segoe UI" pitchFamily="34" charset="0"/>
                         </a:rPr>
-                        <a:t>  </a:t>
-                      </a:r>
-                      <a:r>
-                        <a:rPr lang="en-US" sz="2700" b="0" u="none" strike="noStrike" kern="1200" dirty="0" smtClean="0">
-                          <a:gradFill>
-                            <a:gsLst>
-                              <a:gs pos="0">
-                                <a:schemeClr val="tx1"/>
-                              </a:gs>
-                              <a:gs pos="100000">
-                                <a:schemeClr val="tx1"/>
-                              </a:gs>
-                            </a:gsLst>
-                            <a:lin ang="5400000" scaled="0"/>
-                          </a:gradFill>
-                          <a:latin typeface="+mn-lt"/>
-                          <a:ea typeface="Segoe UI" pitchFamily="34" charset="0"/>
-                          <a:cs typeface="Segoe UI" pitchFamily="34" charset="0"/>
-                        </a:rPr>
-                        <a:t>NGEN</a:t>
+                        <a:t>  NGEN</a:t>
                       </a:r>
                       <a:endParaRPr lang="en-US" sz="2700" b="0" u="none" strike="noStrike" kern="1200" dirty="0">
                         <a:gradFill>
@@ -12770,7 +12723,7 @@
                 </a:tc>
                 <a:extLst>
                   <a:ext uri="{0D108BD9-81ED-4DB2-BD59-A6C34878D82A}">
-                    <a16:rowId xmlns="" xmlns:a16="http://schemas.microsoft.com/office/drawing/2014/main" val="2311700878"/>
+                    <a16:rowId xmlns:a16="http://schemas.microsoft.com/office/drawing/2014/main" xmlns="" val="2311700878"/>
                   </a:ext>
                 </a:extLst>
               </a:tr>
@@ -12938,7 +12891,7 @@
                 </a:tc>
                 <a:extLst>
                   <a:ext uri="{0D108BD9-81ED-4DB2-BD59-A6C34878D82A}">
-                    <a16:rowId xmlns="" xmlns:a16="http://schemas.microsoft.com/office/drawing/2014/main" val="3688356004"/>
+                    <a16:rowId xmlns:a16="http://schemas.microsoft.com/office/drawing/2014/main" xmlns="" val="3688356004"/>
                   </a:ext>
                 </a:extLst>
               </a:tr>
@@ -13130,7 +13083,7 @@
                 </a:tc>
                 <a:extLst>
                   <a:ext uri="{0D108BD9-81ED-4DB2-BD59-A6C34878D82A}">
-                    <a16:rowId xmlns="" xmlns:a16="http://schemas.microsoft.com/office/drawing/2014/main" val="2390583766"/>
+                    <a16:rowId xmlns:a16="http://schemas.microsoft.com/office/drawing/2014/main" xmlns="" val="2390583766"/>
                   </a:ext>
                 </a:extLst>
               </a:tr>
@@ -13305,7 +13258,7 @@
                 </a:tc>
                 <a:extLst>
                   <a:ext uri="{0D108BD9-81ED-4DB2-BD59-A6C34878D82A}">
-                    <a16:rowId xmlns="" xmlns:a16="http://schemas.microsoft.com/office/drawing/2014/main" val="4231053457"/>
+                    <a16:rowId xmlns:a16="http://schemas.microsoft.com/office/drawing/2014/main" xmlns="" val="4231053457"/>
                   </a:ext>
                 </a:extLst>
               </a:tr>
@@ -14153,13 +14106,6 @@
                   </a:rPr>
                   <a:t>OSS</a:t>
                 </a:r>
-                <a:endParaRPr lang="en-US" sz="1333" b="1" dirty="0">
-                  <a:solidFill>
-                    <a:schemeClr val="tx1">
-                      <a:lumMod val="75000"/>
-                    </a:schemeClr>
-                  </a:solidFill>
-                </a:endParaRPr>
               </a:p>
             </p:txBody>
           </p:sp>
@@ -19768,13 +19714,13 @@
   <p:clrMapOvr>
     <a:masterClrMapping/>
   </p:clrMapOvr>
-  <mc:AlternateContent xmlns:mc="http://schemas.openxmlformats.org/markup-compatibility/2006">
-    <mc:Choice xmlns:p14="http://schemas.microsoft.com/office/powerpoint/2010/main" Requires="p14">
+  <mc:AlternateContent xmlns:mc="http://schemas.openxmlformats.org/markup-compatibility/2006" xmlns:p14="http://schemas.microsoft.com/office/powerpoint/2010/main">
+    <mc:Choice Requires="p14">
       <p:transition spd="med" p14:dur="700">
         <p:fade/>
       </p:transition>
     </mc:Choice>
-    <mc:Fallback>
+    <mc:Fallback xmlns="">
       <p:transition spd="med">
         <p:fade/>
       </p:transition>
@@ -19869,12 +19815,6 @@
               </a:rPr>
               <a:t>Configuration, Session &amp; Cache</a:t>
             </a:r>
-            <a:endParaRPr lang="en-US" sz="2133" dirty="0">
-              <a:solidFill>
-                <a:srgbClr val="000000"/>
-              </a:solidFill>
-              <a:latin typeface="+mn-lt"/>
-            </a:endParaRPr>
           </a:p>
         </p:txBody>
       </p:sp>
@@ -20963,11 +20903,6 @@
                 </a:rPr>
                 <a:t>Cloud Ready</a:t>
               </a:r>
-              <a:endParaRPr lang="en-US" sz="2667" b="1" dirty="0">
-                <a:solidFill>
-                  <a:srgbClr val="000000"/>
-                </a:solidFill>
-              </a:endParaRPr>
             </a:p>
           </p:txBody>
         </p:sp>
@@ -21766,11 +21701,6 @@
                   </a:rPr>
                   <a:t>OSS</a:t>
                 </a:r>
-                <a:endParaRPr lang="en-US" sz="1600" b="1" dirty="0">
-                  <a:solidFill>
-                    <a:srgbClr val="000000"/>
-                  </a:solidFill>
-                </a:endParaRPr>
               </a:p>
             </p:txBody>
           </p:sp>
@@ -22672,6 +22602,13 @@
   <p:transition>
     <p:fade/>
   </p:transition>
+  <p:timing>
+    <p:tnLst>
+      <p:par>
+        <p:cTn id="1" dur="indefinite" restart="never" nodeType="tmRoot"/>
+      </p:par>
+    </p:tnLst>
+  </p:timing>
 </p:sld>
 </file>
 
@@ -22905,6 +22842,13 @@
   <p:transition>
     <p:fade/>
   </p:transition>
+  <p:timing>
+    <p:tnLst>
+      <p:par>
+        <p:cTn id="1" dur="indefinite" restart="never" nodeType="tmRoot"/>
+      </p:par>
+    </p:tnLst>
+  </p:timing>
 </p:sld>
 </file>
 
@@ -23086,6 +23030,13 @@
   <p:transition>
     <p:fade/>
   </p:transition>
+  <p:timing>
+    <p:tnLst>
+      <p:par>
+        <p:cTn id="1" dur="indefinite" restart="never" nodeType="tmRoot"/>
+      </p:par>
+    </p:tnLst>
+  </p:timing>
 </p:sld>
 </file>
 
@@ -23217,7 +23168,6 @@
               <a:rPr lang="en-US" sz="2667" dirty="0"/>
               <a:t>#</a:t>
             </a:r>
-            <a:endParaRPr lang="en-US" sz="2667" dirty="0"/>
           </a:p>
         </p:txBody>
       </p:sp>
@@ -24249,111 +24199,6 @@
           </a:p>
         </p:txBody>
       </p:sp>
-      <p:cxnSp>
-        <p:nvCxnSpPr>
-          <p:cNvPr id="31" name="Straight Connector 30"/>
-          <p:cNvCxnSpPr/>
-          <p:nvPr/>
-        </p:nvCxnSpPr>
-        <p:spPr>
-          <a:xfrm>
-            <a:off x="1294614" y="6292804"/>
-            <a:ext cx="305812" cy="0"/>
-          </a:xfrm>
-          <a:prstGeom prst="line">
-            <a:avLst/>
-          </a:prstGeom>
-          <a:ln>
-            <a:solidFill>
-              <a:schemeClr val="bg2"/>
-            </a:solidFill>
-          </a:ln>
-        </p:spPr>
-        <p:style>
-          <a:lnRef idx="1">
-            <a:schemeClr val="accent1"/>
-          </a:lnRef>
-          <a:fillRef idx="0">
-            <a:schemeClr val="accent1"/>
-          </a:fillRef>
-          <a:effectRef idx="0">
-            <a:schemeClr val="accent1"/>
-          </a:effectRef>
-          <a:fontRef idx="minor">
-            <a:schemeClr val="tx1"/>
-          </a:fontRef>
-        </p:style>
-      </p:cxnSp>
-      <p:cxnSp>
-        <p:nvCxnSpPr>
-          <p:cNvPr id="32" name="Straight Connector 31"/>
-          <p:cNvCxnSpPr/>
-          <p:nvPr/>
-        </p:nvCxnSpPr>
-        <p:spPr>
-          <a:xfrm>
-            <a:off x="2438397" y="6292804"/>
-            <a:ext cx="305812" cy="0"/>
-          </a:xfrm>
-          <a:prstGeom prst="line">
-            <a:avLst/>
-          </a:prstGeom>
-          <a:ln>
-            <a:solidFill>
-              <a:schemeClr val="bg2"/>
-            </a:solidFill>
-          </a:ln>
-        </p:spPr>
-        <p:style>
-          <a:lnRef idx="1">
-            <a:schemeClr val="accent1"/>
-          </a:lnRef>
-          <a:fillRef idx="0">
-            <a:schemeClr val="accent1"/>
-          </a:fillRef>
-          <a:effectRef idx="0">
-            <a:schemeClr val="accent1"/>
-          </a:effectRef>
-          <a:fontRef idx="minor">
-            <a:schemeClr val="tx1"/>
-          </a:fontRef>
-        </p:style>
-      </p:cxnSp>
-      <p:cxnSp>
-        <p:nvCxnSpPr>
-          <p:cNvPr id="33" name="Straight Connector 32"/>
-          <p:cNvCxnSpPr/>
-          <p:nvPr/>
-        </p:nvCxnSpPr>
-        <p:spPr>
-          <a:xfrm>
-            <a:off x="4158303" y="6292804"/>
-            <a:ext cx="305812" cy="0"/>
-          </a:xfrm>
-          <a:prstGeom prst="line">
-            <a:avLst/>
-          </a:prstGeom>
-          <a:ln>
-            <a:solidFill>
-              <a:schemeClr val="bg2"/>
-            </a:solidFill>
-          </a:ln>
-        </p:spPr>
-        <p:style>
-          <a:lnRef idx="1">
-            <a:schemeClr val="accent1"/>
-          </a:lnRef>
-          <a:fillRef idx="0">
-            <a:schemeClr val="accent1"/>
-          </a:fillRef>
-          <a:effectRef idx="0">
-            <a:schemeClr val="accent1"/>
-          </a:effectRef>
-          <a:fontRef idx="minor">
-            <a:schemeClr val="tx1"/>
-          </a:fontRef>
-        </p:style>
-      </p:cxnSp>
       <p:sp>
         <p:nvSpPr>
           <p:cNvPr id="2" name="Oval 1"/>
@@ -24531,111 +24376,6 @@
           </a:p>
         </p:txBody>
       </p:sp>
-      <p:cxnSp>
-        <p:nvCxnSpPr>
-          <p:cNvPr id="31" name="Straight Connector 30"/>
-          <p:cNvCxnSpPr/>
-          <p:nvPr/>
-        </p:nvCxnSpPr>
-        <p:spPr>
-          <a:xfrm>
-            <a:off x="1294614" y="6292804"/>
-            <a:ext cx="305812" cy="0"/>
-          </a:xfrm>
-          <a:prstGeom prst="line">
-            <a:avLst/>
-          </a:prstGeom>
-          <a:ln>
-            <a:solidFill>
-              <a:schemeClr val="bg2"/>
-            </a:solidFill>
-          </a:ln>
-        </p:spPr>
-        <p:style>
-          <a:lnRef idx="1">
-            <a:schemeClr val="accent1"/>
-          </a:lnRef>
-          <a:fillRef idx="0">
-            <a:schemeClr val="accent1"/>
-          </a:fillRef>
-          <a:effectRef idx="0">
-            <a:schemeClr val="accent1"/>
-          </a:effectRef>
-          <a:fontRef idx="minor">
-            <a:schemeClr val="tx1"/>
-          </a:fontRef>
-        </p:style>
-      </p:cxnSp>
-      <p:cxnSp>
-        <p:nvCxnSpPr>
-          <p:cNvPr id="32" name="Straight Connector 31"/>
-          <p:cNvCxnSpPr/>
-          <p:nvPr/>
-        </p:nvCxnSpPr>
-        <p:spPr>
-          <a:xfrm>
-            <a:off x="2438397" y="6292804"/>
-            <a:ext cx="305812" cy="0"/>
-          </a:xfrm>
-          <a:prstGeom prst="line">
-            <a:avLst/>
-          </a:prstGeom>
-          <a:ln>
-            <a:solidFill>
-              <a:schemeClr val="bg2"/>
-            </a:solidFill>
-          </a:ln>
-        </p:spPr>
-        <p:style>
-          <a:lnRef idx="1">
-            <a:schemeClr val="accent1"/>
-          </a:lnRef>
-          <a:fillRef idx="0">
-            <a:schemeClr val="accent1"/>
-          </a:fillRef>
-          <a:effectRef idx="0">
-            <a:schemeClr val="accent1"/>
-          </a:effectRef>
-          <a:fontRef idx="minor">
-            <a:schemeClr val="tx1"/>
-          </a:fontRef>
-        </p:style>
-      </p:cxnSp>
-      <p:cxnSp>
-        <p:nvCxnSpPr>
-          <p:cNvPr id="33" name="Straight Connector 32"/>
-          <p:cNvCxnSpPr/>
-          <p:nvPr/>
-        </p:nvCxnSpPr>
-        <p:spPr>
-          <a:xfrm>
-            <a:off x="4158303" y="6292804"/>
-            <a:ext cx="305812" cy="0"/>
-          </a:xfrm>
-          <a:prstGeom prst="line">
-            <a:avLst/>
-          </a:prstGeom>
-          <a:ln>
-            <a:solidFill>
-              <a:schemeClr val="bg2"/>
-            </a:solidFill>
-          </a:ln>
-        </p:spPr>
-        <p:style>
-          <a:lnRef idx="1">
-            <a:schemeClr val="accent1"/>
-          </a:lnRef>
-          <a:fillRef idx="0">
-            <a:schemeClr val="accent1"/>
-          </a:fillRef>
-          <a:effectRef idx="0">
-            <a:schemeClr val="accent1"/>
-          </a:effectRef>
-          <a:fontRef idx="minor">
-            <a:schemeClr val="tx1"/>
-          </a:fontRef>
-        </p:style>
-      </p:cxnSp>
       <p:pic>
         <p:nvPicPr>
           <p:cNvPr id="24" name="Picture 23"/>
@@ -26626,17 +26366,7 @@
                 <a:ea typeface="Segoe UI" pitchFamily="34" charset="0"/>
                 <a:cs typeface="Segoe UI" pitchFamily="34" charset="0"/>
               </a:rPr>
-              <a:t>VS </a:t>
-            </a:r>
-            <a:r>
-              <a:rPr lang="en-US" sz="1867" dirty="0">
-                <a:solidFill>
-                  <a:schemeClr val="bg1"/>
-                </a:solidFill>
-                <a:ea typeface="Segoe UI" pitchFamily="34" charset="0"/>
-                <a:cs typeface="Segoe UI" pitchFamily="34" charset="0"/>
-              </a:rPr>
-              <a:t>Ultimate w/MSDN</a:t>
+              <a:t>VS Ultimate w/MSDN</a:t>
             </a:r>
           </a:p>
           <a:p>
@@ -26857,11 +26587,6 @@
               </a:rPr>
               <a:t>Pluralsight </a:t>
             </a:r>
-            <a:endParaRPr lang="en-US" sz="2400" dirty="0">
-              <a:solidFill>
-                <a:schemeClr val="bg1"/>
-              </a:solidFill>
-            </a:endParaRPr>
           </a:p>
         </p:txBody>
       </p:sp>
@@ -28513,15 +28238,7 @@
                   <a:srgbClr val="00BCF2"/>
                 </a:solidFill>
               </a:rPr>
-              <a:t>.NET 2015 - Web </a:t>
-            </a:r>
-            <a:r>
-              <a:rPr lang="en-US" dirty="0" smtClean="0">
-                <a:solidFill>
-                  <a:srgbClr val="00BCF2"/>
-                </a:solidFill>
-              </a:rPr>
-              <a:t>y </a:t>
+              <a:t>.NET 2015 - Web y </a:t>
             </a:r>
             <a:r>
               <a:rPr lang="en-US" dirty="0" err="1" smtClean="0">
@@ -31338,10 +31055,10 @@
         </p:nvGrpSpPr>
         <p:grpSpPr>
           <a:xfrm>
-            <a:off x="356394" y="1786372"/>
-            <a:ext cx="7961591" cy="1789996"/>
-            <a:chOff x="363539" y="1821692"/>
-            <a:chExt cx="12210310" cy="1825884"/>
+            <a:off x="356394" y="1804608"/>
+            <a:ext cx="7961591" cy="1771757"/>
+            <a:chOff x="363539" y="1840296"/>
+            <a:chExt cx="12210310" cy="1807280"/>
           </a:xfrm>
         </p:grpSpPr>
         <p:sp>
@@ -31604,8 +31321,8 @@
           </p:nvSpPr>
           <p:spPr bwMode="auto">
             <a:xfrm flipH="1">
-              <a:off x="8469871" y="1821692"/>
-              <a:ext cx="1235406" cy="1235406"/>
+              <a:off x="8469871" y="2002218"/>
+              <a:ext cx="1235406" cy="843624"/>
             </a:xfrm>
             <a:custGeom>
               <a:avLst/>
